--- a/Банковская система на PyQt5.pptx
+++ b/Банковская система на PyQt5.pptx
@@ -112,6 +112,11 @@
       </a:defRPr>
     </a:lvl9pPr>
   </p:defaultTextStyle>
+  <p:extLst>
+    <p:ext uri="{EFAFB233-063F-42B5-8137-9DF3F51BA10A}">
+      <p15:sldGuideLst xmlns:p15="http://schemas.microsoft.com/office/powerpoint/2012/main"/>
+    </p:ext>
+  </p:extLst>
 </p:presentation>
 </file>
 
@@ -3022,13 +3027,27 @@
         </p:spPr>
         <p:txBody>
           <a:bodyPr>
-            <a:normAutofit lnSpcReduction="10000"/>
+            <a:normAutofit fontScale="85000" lnSpcReduction="20000"/>
           </a:bodyPr>
           <a:lstStyle/>
           <a:p>
             <a:r>
               <a:rPr lang="ru-RU" dirty="0" smtClean="0"/>
-              <a:t>Выполнил Поздняков Никита</a:t>
+              <a:t>Выполнил</a:t>
+            </a:r>
+            <a:r>
+              <a:rPr lang="en-US" dirty="0" smtClean="0"/>
+              <a:t>:</a:t>
+            </a:r>
+          </a:p>
+          <a:p>
+            <a:r>
+              <a:rPr lang="ru-RU" dirty="0" smtClean="0"/>
+              <a:t> </a:t>
+            </a:r>
+            <a:r>
+              <a:rPr lang="ru-RU" dirty="0" smtClean="0"/>
+              <a:t>Поздняков Никита</a:t>
             </a:r>
             <a:endParaRPr lang="ru-RU" dirty="0"/>
           </a:p>
@@ -3126,8 +3145,21 @@
           <a:p>
             <a:r>
               <a:rPr lang="ru-RU" dirty="0" smtClean="0"/>
-              <a:t>Создать генератор номеров карт по алгоритму Луна</a:t>
-            </a:r>
+              <a:t>Создать генератор номеров карт по алгоритму </a:t>
+            </a:r>
+            <a:r>
+              <a:rPr lang="ru-RU" dirty="0" smtClean="0"/>
+              <a:t>Л</a:t>
+            </a:r>
+            <a:r>
+              <a:rPr lang="ru-RU" dirty="0" smtClean="0"/>
+              <a:t>у́</a:t>
+            </a:r>
+            <a:r>
+              <a:rPr lang="ru-RU" dirty="0" smtClean="0"/>
+              <a:t>на</a:t>
+            </a:r>
+            <a:endParaRPr lang="ru-RU" dirty="0" smtClean="0"/>
           </a:p>
         </p:txBody>
       </p:sp>
@@ -3209,7 +3241,23 @@
             </a:pPr>
             <a:r>
               <a:rPr lang="ru-RU" dirty="0" smtClean="0"/>
-              <a:t>Была создана база данных, куда вносились данными, структура базы данной являлась такой</a:t>
+              <a:t>Была создана база данных, куда </a:t>
+            </a:r>
+            <a:r>
+              <a:rPr lang="ru-RU" dirty="0" smtClean="0"/>
+              <a:t>вносились сведения, </a:t>
+            </a:r>
+            <a:r>
+              <a:rPr lang="ru-RU" dirty="0" smtClean="0"/>
+              <a:t>структура базы </a:t>
+            </a:r>
+            <a:r>
+              <a:rPr lang="ru-RU" dirty="0" smtClean="0"/>
+              <a:t>данных </a:t>
+            </a:r>
+            <a:r>
+              <a:rPr lang="ru-RU" dirty="0" smtClean="0"/>
+              <a:t>являлась такой</a:t>
             </a:r>
             <a:r>
               <a:rPr lang="en-US" dirty="0" smtClean="0"/>
@@ -3342,7 +3390,11 @@
             </a:pPr>
             <a:r>
               <a:rPr lang="ru-RU" dirty="0" smtClean="0"/>
-              <a:t>Также база данных была заполнена примерами вводимых данных</a:t>
+              <a:t>Также база данных была заполнена примерами вводимых </a:t>
+            </a:r>
+            <a:r>
+              <a:rPr lang="ru-RU" dirty="0" smtClean="0"/>
+              <a:t>значений</a:t>
             </a:r>
             <a:endParaRPr lang="ru-RU" dirty="0"/>
           </a:p>
